--- a/docs/20251117-efmi-overview-diagrams.pptx
+++ b/docs/20251117-efmi-overview-diagrams.pptx
@@ -107,6 +107,11 @@
       </a:defRPr>
     </a:lvl9pPr>
   </p:defaultTextStyle>
+  <p:extLst>
+    <p:ext uri="{EFAFB233-063F-42B5-8137-9DF3F51BA10A}">
+      <p15:sldGuideLst xmlns:p15="http://schemas.microsoft.com/office/powerpoint/2012/main"/>
+    </p:ext>
+  </p:extLst>
 </p:presentation>
 </file>
 
@@ -257,7 +262,7 @@
           <a:p>
             <a:fld id="{85386F11-A80E-4576-BDF9-170DB6CF1BA9}" type="datetimeFigureOut">
               <a:rPr lang="en-US" smtClean="0"/>
-              <a:t>11/17/2025</a:t>
+              <a:t>11/24/2025</a:t>
             </a:fld>
             <a:endParaRPr lang="en-US"/>
           </a:p>
@@ -455,7 +460,7 @@
           <a:p>
             <a:fld id="{85386F11-A80E-4576-BDF9-170DB6CF1BA9}" type="datetimeFigureOut">
               <a:rPr lang="en-US" smtClean="0"/>
-              <a:t>11/17/2025</a:t>
+              <a:t>11/24/2025</a:t>
             </a:fld>
             <a:endParaRPr lang="en-US"/>
           </a:p>
@@ -663,7 +668,7 @@
           <a:p>
             <a:fld id="{85386F11-A80E-4576-BDF9-170DB6CF1BA9}" type="datetimeFigureOut">
               <a:rPr lang="en-US" smtClean="0"/>
-              <a:t>11/17/2025</a:t>
+              <a:t>11/24/2025</a:t>
             </a:fld>
             <a:endParaRPr lang="en-US"/>
           </a:p>
@@ -861,7 +866,7 @@
           <a:p>
             <a:fld id="{85386F11-A80E-4576-BDF9-170DB6CF1BA9}" type="datetimeFigureOut">
               <a:rPr lang="en-US" smtClean="0"/>
-              <a:t>11/17/2025</a:t>
+              <a:t>11/24/2025</a:t>
             </a:fld>
             <a:endParaRPr lang="en-US"/>
           </a:p>
@@ -1136,7 +1141,7 @@
           <a:p>
             <a:fld id="{85386F11-A80E-4576-BDF9-170DB6CF1BA9}" type="datetimeFigureOut">
               <a:rPr lang="en-US" smtClean="0"/>
-              <a:t>11/17/2025</a:t>
+              <a:t>11/24/2025</a:t>
             </a:fld>
             <a:endParaRPr lang="en-US"/>
           </a:p>
@@ -1401,7 +1406,7 @@
           <a:p>
             <a:fld id="{85386F11-A80E-4576-BDF9-170DB6CF1BA9}" type="datetimeFigureOut">
               <a:rPr lang="en-US" smtClean="0"/>
-              <a:t>11/17/2025</a:t>
+              <a:t>11/24/2025</a:t>
             </a:fld>
             <a:endParaRPr lang="en-US"/>
           </a:p>
@@ -1813,7 +1818,7 @@
           <a:p>
             <a:fld id="{85386F11-A80E-4576-BDF9-170DB6CF1BA9}" type="datetimeFigureOut">
               <a:rPr lang="en-US" smtClean="0"/>
-              <a:t>11/17/2025</a:t>
+              <a:t>11/24/2025</a:t>
             </a:fld>
             <a:endParaRPr lang="en-US"/>
           </a:p>
@@ -1954,7 +1959,7 @@
           <a:p>
             <a:fld id="{85386F11-A80E-4576-BDF9-170DB6CF1BA9}" type="datetimeFigureOut">
               <a:rPr lang="en-US" smtClean="0"/>
-              <a:t>11/17/2025</a:t>
+              <a:t>11/24/2025</a:t>
             </a:fld>
             <a:endParaRPr lang="en-US"/>
           </a:p>
@@ -2067,7 +2072,7 @@
           <a:p>
             <a:fld id="{85386F11-A80E-4576-BDF9-170DB6CF1BA9}" type="datetimeFigureOut">
               <a:rPr lang="en-US" smtClean="0"/>
-              <a:t>11/17/2025</a:t>
+              <a:t>11/24/2025</a:t>
             </a:fld>
             <a:endParaRPr lang="en-US"/>
           </a:p>
@@ -2378,7 +2383,7 @@
           <a:p>
             <a:fld id="{85386F11-A80E-4576-BDF9-170DB6CF1BA9}" type="datetimeFigureOut">
               <a:rPr lang="en-US" smtClean="0"/>
-              <a:t>11/17/2025</a:t>
+              <a:t>11/24/2025</a:t>
             </a:fld>
             <a:endParaRPr lang="en-US"/>
           </a:p>
@@ -2666,7 +2671,7 @@
           <a:p>
             <a:fld id="{85386F11-A80E-4576-BDF9-170DB6CF1BA9}" type="datetimeFigureOut">
               <a:rPr lang="en-US" smtClean="0"/>
-              <a:t>11/17/2025</a:t>
+              <a:t>11/24/2025</a:t>
             </a:fld>
             <a:endParaRPr lang="en-US"/>
           </a:p>
@@ -2907,7 +2912,7 @@
           <a:p>
             <a:fld id="{85386F11-A80E-4576-BDF9-170DB6CF1BA9}" type="datetimeFigureOut">
               <a:rPr lang="en-US" smtClean="0"/>
-              <a:t>11/17/2025</a:t>
+              <a:t>11/24/2025</a:t>
             </a:fld>
             <a:endParaRPr lang="en-US"/>
           </a:p>
@@ -3831,12 +3836,221 @@
             <a:avLst/>
           </a:prstGeom>
           <a:noFill/>
-          <a:ln w="28575">
-            <a:solidFill>
-              <a:srgbClr val="C00000"/>
-            </a:solidFill>
-            <a:prstDash val="dash"/>
-          </a:ln>
+          <a:ln/>
+        </p:spPr>
+        <p:style>
+          <a:lnRef idx="2">
+            <a:schemeClr val="accent3"/>
+          </a:lnRef>
+          <a:fillRef idx="1">
+            <a:schemeClr val="lt1"/>
+          </a:fillRef>
+          <a:effectRef idx="0">
+            <a:schemeClr val="accent3"/>
+          </a:effectRef>
+          <a:fontRef idx="minor">
+            <a:schemeClr val="dk1"/>
+          </a:fontRef>
+        </p:style>
+        <p:txBody>
+          <a:bodyPr rtlCol="0" anchor="ctr"/>
+          <a:lstStyle/>
+          <a:p>
+            <a:pPr algn="ctr"/>
+            <a:endParaRPr lang="en-US"/>
+          </a:p>
+        </p:txBody>
+      </p:sp>
+      <p:sp>
+        <p:nvSpPr>
+          <p:cNvPr id="20" name="TextBox 19">
+            <a:extLst>
+              <a:ext uri="{FF2B5EF4-FFF2-40B4-BE49-F238E27FC236}">
+                <a16:creationId xmlns:a16="http://schemas.microsoft.com/office/drawing/2014/main" id="{83EFD130-0886-10D5-E76C-6FFD5426C366}"/>
+              </a:ext>
+            </a:extLst>
+          </p:cNvPr>
+          <p:cNvSpPr txBox="1"/>
+          <p:nvPr/>
+        </p:nvSpPr>
+        <p:spPr>
+          <a:xfrm>
+            <a:off x="9483713" y="625196"/>
+            <a:ext cx="1766830" cy="369332"/>
+          </a:xfrm>
+          <a:prstGeom prst="rect">
+            <a:avLst/>
+          </a:prstGeom>
+          <a:noFill/>
+        </p:spPr>
+        <p:txBody>
+          <a:bodyPr wrap="none" rtlCol="0">
+            <a:spAutoFit/>
+          </a:bodyPr>
+          <a:lstStyle/>
+          <a:p>
+            <a:r>
+              <a:rPr lang="en-US" dirty="0" err="1">
+                <a:solidFill>
+                  <a:srgbClr val="FF0000"/>
+                </a:solidFill>
+              </a:rPr>
+              <a:t>eFMU</a:t>
+            </a:r>
+            <a:r>
+              <a:rPr lang="en-US" dirty="0">
+                <a:solidFill>
+                  <a:srgbClr val="FF0000"/>
+                </a:solidFill>
+              </a:rPr>
+              <a:t>: Grid4HIL</a:t>
+            </a:r>
+          </a:p>
+        </p:txBody>
+      </p:sp>
+      <p:sp>
+        <p:nvSpPr>
+          <p:cNvPr id="22" name="TextBox 21">
+            <a:extLst>
+              <a:ext uri="{FF2B5EF4-FFF2-40B4-BE49-F238E27FC236}">
+                <a16:creationId xmlns:a16="http://schemas.microsoft.com/office/drawing/2014/main" id="{2A0E4D51-3B1F-CFE9-F4FA-988B4D3EC7A9}"/>
+              </a:ext>
+            </a:extLst>
+          </p:cNvPr>
+          <p:cNvSpPr txBox="1"/>
+          <p:nvPr/>
+        </p:nvSpPr>
+        <p:spPr>
+          <a:xfrm>
+            <a:off x="6749978" y="6545344"/>
+            <a:ext cx="2489901" cy="369332"/>
+          </a:xfrm>
+          <a:prstGeom prst="rect">
+            <a:avLst/>
+          </a:prstGeom>
+          <a:noFill/>
+        </p:spPr>
+        <p:txBody>
+          <a:bodyPr wrap="square" rtlCol="0">
+            <a:spAutoFit/>
+          </a:bodyPr>
+          <a:lstStyle/>
+          <a:p>
+            <a:r>
+              <a:rPr lang="en-US" dirty="0" err="1">
+                <a:solidFill>
+                  <a:schemeClr val="accent3"/>
+                </a:solidFill>
+              </a:rPr>
+              <a:t>eFMU</a:t>
+            </a:r>
+            <a:r>
+              <a:rPr lang="en-US" dirty="0">
+                <a:solidFill>
+                  <a:schemeClr val="accent3"/>
+                </a:solidFill>
+              </a:rPr>
+              <a:t>: </a:t>
+            </a:r>
+            <a:r>
+              <a:rPr lang="en-US" dirty="0" err="1">
+                <a:solidFill>
+                  <a:schemeClr val="accent3"/>
+                </a:solidFill>
+              </a:rPr>
+              <a:t>efmuPSS</a:t>
+            </a:r>
+            <a:r>
+              <a:rPr lang="en-US" dirty="0">
+                <a:solidFill>
+                  <a:schemeClr val="accent3"/>
+                </a:solidFill>
+              </a:rPr>
+              <a:t> </a:t>
+            </a:r>
+          </a:p>
+        </p:txBody>
+      </p:sp>
+      <p:sp>
+        <p:nvSpPr>
+          <p:cNvPr id="23" name="TextBox 22">
+            <a:extLst>
+              <a:ext uri="{FF2B5EF4-FFF2-40B4-BE49-F238E27FC236}">
+                <a16:creationId xmlns:a16="http://schemas.microsoft.com/office/drawing/2014/main" id="{C6C87784-D749-15E2-7FFB-F452D73B99ED}"/>
+              </a:ext>
+            </a:extLst>
+          </p:cNvPr>
+          <p:cNvSpPr txBox="1"/>
+          <p:nvPr/>
+        </p:nvSpPr>
+        <p:spPr>
+          <a:xfrm>
+            <a:off x="8880397" y="2738030"/>
+            <a:ext cx="1764970" cy="369332"/>
+          </a:xfrm>
+          <a:prstGeom prst="rect">
+            <a:avLst/>
+          </a:prstGeom>
+          <a:noFill/>
+        </p:spPr>
+        <p:txBody>
+          <a:bodyPr wrap="none" rtlCol="0">
+            <a:spAutoFit/>
+          </a:bodyPr>
+          <a:lstStyle/>
+          <a:p>
+            <a:r>
+              <a:rPr lang="en-US" dirty="0" err="1">
+                <a:solidFill>
+                  <a:srgbClr val="FF0000"/>
+                </a:solidFill>
+              </a:rPr>
+              <a:t>eFMU</a:t>
+            </a:r>
+            <a:r>
+              <a:rPr lang="en-US" dirty="0">
+                <a:solidFill>
+                  <a:srgbClr val="FF0000"/>
+                </a:solidFill>
+              </a:rPr>
+              <a:t>: </a:t>
+            </a:r>
+            <a:r>
+              <a:rPr lang="en-US" dirty="0" err="1">
+                <a:solidFill>
+                  <a:srgbClr val="FF0000"/>
+                </a:solidFill>
+              </a:rPr>
+              <a:t>CHILTest</a:t>
+            </a:r>
+            <a:endParaRPr lang="en-US" dirty="0">
+              <a:solidFill>
+                <a:srgbClr val="FF0000"/>
+              </a:solidFill>
+            </a:endParaRPr>
+          </a:p>
+        </p:txBody>
+      </p:sp>
+      <p:sp>
+        <p:nvSpPr>
+          <p:cNvPr id="2" name="Rectangle 1">
+            <a:extLst>
+              <a:ext uri="{FF2B5EF4-FFF2-40B4-BE49-F238E27FC236}">
+                <a16:creationId xmlns:a16="http://schemas.microsoft.com/office/drawing/2014/main" id="{3ACE4844-1DE2-48F3-BD60-67ABFEED3617}"/>
+              </a:ext>
+            </a:extLst>
+          </p:cNvPr>
+          <p:cNvSpPr/>
+          <p:nvPr/>
+        </p:nvSpPr>
+        <p:spPr>
+          <a:xfrm>
+            <a:off x="8454296" y="3960316"/>
+            <a:ext cx="1103284" cy="369331"/>
+          </a:xfrm>
+          <a:prstGeom prst="rect">
+            <a:avLst/>
+          </a:prstGeom>
         </p:spPr>
         <p:style>
           <a:lnRef idx="2">
@@ -3859,16 +4073,304 @@
           <a:lstStyle/>
           <a:p>
             <a:pPr algn="ctr"/>
+            <a:r>
+              <a:rPr lang="en-US" sz="1400" dirty="0"/>
+              <a:t>Model of </a:t>
+            </a:r>
+            <a:r>
+              <a:rPr lang="en-US" sz="1400" dirty="0" err="1"/>
+              <a:t>Unitrol</a:t>
+            </a:r>
+            <a:endParaRPr lang="en-US" sz="1400" dirty="0"/>
+          </a:p>
+        </p:txBody>
+      </p:sp>
+      <p:sp>
+        <p:nvSpPr>
+          <p:cNvPr id="3" name="Rectangle 2">
+            <a:extLst>
+              <a:ext uri="{FF2B5EF4-FFF2-40B4-BE49-F238E27FC236}">
+                <a16:creationId xmlns:a16="http://schemas.microsoft.com/office/drawing/2014/main" id="{DA123B30-B219-F2A4-0C27-C71F03841A87}"/>
+              </a:ext>
+            </a:extLst>
+          </p:cNvPr>
+          <p:cNvSpPr/>
+          <p:nvPr/>
+        </p:nvSpPr>
+        <p:spPr>
+          <a:xfrm>
+            <a:off x="7051307" y="809859"/>
+            <a:ext cx="1219432" cy="369333"/>
+          </a:xfrm>
+          <a:prstGeom prst="rect">
+            <a:avLst/>
+          </a:prstGeom>
+        </p:spPr>
+        <p:style>
+          <a:lnRef idx="2">
+            <a:schemeClr val="accent1">
+              <a:shade val="15000"/>
+            </a:schemeClr>
+          </a:lnRef>
+          <a:fillRef idx="1">
+            <a:schemeClr val="accent1"/>
+          </a:fillRef>
+          <a:effectRef idx="0">
+            <a:schemeClr val="accent1"/>
+          </a:effectRef>
+          <a:fontRef idx="minor">
+            <a:schemeClr val="lt1"/>
+          </a:fontRef>
+        </p:style>
+        <p:txBody>
+          <a:bodyPr rtlCol="0" anchor="ctr"/>
+          <a:lstStyle/>
+          <a:p>
+            <a:pPr algn="ctr"/>
+            <a:r>
+              <a:rPr lang="en-US" dirty="0"/>
+              <a:t>stm32</a:t>
+            </a:r>
+          </a:p>
+        </p:txBody>
+      </p:sp>
+      <p:sp>
+        <p:nvSpPr>
+          <p:cNvPr id="4" name="Rectangle 3">
+            <a:extLst>
+              <a:ext uri="{FF2B5EF4-FFF2-40B4-BE49-F238E27FC236}">
+                <a16:creationId xmlns:a16="http://schemas.microsoft.com/office/drawing/2014/main" id="{E8C394B6-2973-AC5F-9325-E98C42AF93FB}"/>
+              </a:ext>
+            </a:extLst>
+          </p:cNvPr>
+          <p:cNvSpPr/>
+          <p:nvPr/>
+        </p:nvSpPr>
+        <p:spPr>
+          <a:xfrm>
+            <a:off x="7014374" y="2693989"/>
+            <a:ext cx="1219432" cy="369333"/>
+          </a:xfrm>
+          <a:prstGeom prst="rect">
+            <a:avLst/>
+          </a:prstGeom>
+        </p:spPr>
+        <p:style>
+          <a:lnRef idx="2">
+            <a:schemeClr val="accent1">
+              <a:shade val="15000"/>
+            </a:schemeClr>
+          </a:lnRef>
+          <a:fillRef idx="1">
+            <a:schemeClr val="accent1"/>
+          </a:fillRef>
+          <a:effectRef idx="0">
+            <a:schemeClr val="accent1"/>
+          </a:effectRef>
+          <a:fontRef idx="minor">
+            <a:schemeClr val="lt1"/>
+          </a:fontRef>
+        </p:style>
+        <p:txBody>
+          <a:bodyPr rtlCol="0" anchor="ctr"/>
+          <a:lstStyle/>
+          <a:p>
+            <a:pPr algn="ctr"/>
+            <a:r>
+              <a:rPr lang="en-US" dirty="0"/>
+              <a:t>stm32</a:t>
+            </a:r>
+          </a:p>
+        </p:txBody>
+      </p:sp>
+      <p:sp>
+        <p:nvSpPr>
+          <p:cNvPr id="6" name="Rectangle 5">
+            <a:extLst>
+              <a:ext uri="{FF2B5EF4-FFF2-40B4-BE49-F238E27FC236}">
+                <a16:creationId xmlns:a16="http://schemas.microsoft.com/office/drawing/2014/main" id="{E6FDBAEF-0788-AE32-9928-864E7F3513B1}"/>
+              </a:ext>
+            </a:extLst>
+          </p:cNvPr>
+          <p:cNvSpPr/>
+          <p:nvPr/>
+        </p:nvSpPr>
+        <p:spPr>
+          <a:xfrm>
+            <a:off x="8319183" y="809859"/>
+            <a:ext cx="1219432" cy="369333"/>
+          </a:xfrm>
+          <a:prstGeom prst="rect">
+            <a:avLst/>
+          </a:prstGeom>
+        </p:spPr>
+        <p:style>
+          <a:lnRef idx="2">
+            <a:schemeClr val="accent1">
+              <a:shade val="15000"/>
+            </a:schemeClr>
+          </a:lnRef>
+          <a:fillRef idx="1">
+            <a:schemeClr val="accent1"/>
+          </a:fillRef>
+          <a:effectRef idx="0">
+            <a:schemeClr val="accent1"/>
+          </a:effectRef>
+          <a:fontRef idx="minor">
+            <a:schemeClr val="lt1"/>
+          </a:fontRef>
+        </p:style>
+        <p:txBody>
+          <a:bodyPr rtlCol="0" anchor="ctr"/>
+          <a:lstStyle/>
+          <a:p>
+            <a:pPr algn="ctr"/>
+            <a:r>
+              <a:rPr lang="en-US" dirty="0" err="1"/>
+              <a:t>Unitrol</a:t>
+            </a:r>
+            <a:endParaRPr lang="en-US" dirty="0"/>
+          </a:p>
+        </p:txBody>
+      </p:sp>
+      <p:pic>
+        <p:nvPicPr>
+          <p:cNvPr id="13" name="Picture 12" descr="A screen shot of a computer&#10;&#10;AI-generated content may be incorrect.">
+            <a:extLst>
+              <a:ext uri="{FF2B5EF4-FFF2-40B4-BE49-F238E27FC236}">
+                <a16:creationId xmlns:a16="http://schemas.microsoft.com/office/drawing/2014/main" id="{9E439FE8-6A88-01A3-3DFA-8A94AF8FBBED}"/>
+              </a:ext>
+            </a:extLst>
+          </p:cNvPr>
+          <p:cNvPicPr>
+            <a:picLocks noChangeAspect="1"/>
+          </p:cNvPicPr>
+          <p:nvPr/>
+        </p:nvPicPr>
+        <p:blipFill>
+          <a:blip r:embed="rId3">
+            <a:extLst>
+              <a:ext uri="{28A0092B-C50C-407E-A947-70E740481C1C}">
+                <a14:useLocalDpi xmlns:a14="http://schemas.microsoft.com/office/drawing/2010/main" val="0"/>
+              </a:ext>
+            </a:extLst>
+          </a:blip>
+          <a:srcRect b="16710"/>
+          <a:stretch>
+            <a:fillRect/>
+          </a:stretch>
+        </p:blipFill>
+        <p:spPr>
+          <a:xfrm>
+            <a:off x="6941617" y="-760257"/>
+            <a:ext cx="4425074" cy="1018311"/>
+          </a:xfrm>
+          <a:prstGeom prst="rect">
+            <a:avLst/>
+          </a:prstGeom>
+        </p:spPr>
+      </p:pic>
+      <p:sp>
+        <p:nvSpPr>
+          <p:cNvPr id="21" name="Rectangle 20">
+            <a:extLst>
+              <a:ext uri="{FF2B5EF4-FFF2-40B4-BE49-F238E27FC236}">
+                <a16:creationId xmlns:a16="http://schemas.microsoft.com/office/drawing/2014/main" id="{B173D409-FDBC-ED1B-AA94-A9D535E282AA}"/>
+              </a:ext>
+            </a:extLst>
+          </p:cNvPr>
+          <p:cNvSpPr/>
+          <p:nvPr/>
+        </p:nvSpPr>
+        <p:spPr>
+          <a:xfrm>
+            <a:off x="7051307" y="-1292925"/>
+            <a:ext cx="1219432" cy="369333"/>
+          </a:xfrm>
+          <a:prstGeom prst="rect">
+            <a:avLst/>
+          </a:prstGeom>
+        </p:spPr>
+        <p:style>
+          <a:lnRef idx="2">
+            <a:schemeClr val="accent1">
+              <a:shade val="15000"/>
+            </a:schemeClr>
+          </a:lnRef>
+          <a:fillRef idx="1">
+            <a:schemeClr val="accent1"/>
+          </a:fillRef>
+          <a:effectRef idx="0">
+            <a:schemeClr val="accent1"/>
+          </a:effectRef>
+          <a:fontRef idx="minor">
+            <a:schemeClr val="lt1"/>
+          </a:fontRef>
+        </p:style>
+        <p:txBody>
+          <a:bodyPr rtlCol="0" anchor="ctr"/>
+          <a:lstStyle/>
+          <a:p>
+            <a:pPr algn="ctr"/>
+            <a:r>
+              <a:rPr lang="en-US" dirty="0"/>
+              <a:t>stm32</a:t>
+            </a:r>
+          </a:p>
+        </p:txBody>
+      </p:sp>
+      <p:sp>
+        <p:nvSpPr>
+          <p:cNvPr id="24" name="Rectangle 23">
+            <a:extLst>
+              <a:ext uri="{FF2B5EF4-FFF2-40B4-BE49-F238E27FC236}">
+                <a16:creationId xmlns:a16="http://schemas.microsoft.com/office/drawing/2014/main" id="{F92469E8-0270-647C-1BF3-AFD15DD6001B}"/>
+              </a:ext>
+            </a:extLst>
+          </p:cNvPr>
+          <p:cNvSpPr/>
+          <p:nvPr/>
+        </p:nvSpPr>
+        <p:spPr>
+          <a:xfrm>
+            <a:off x="6904684" y="3172410"/>
+            <a:ext cx="1438812" cy="1211344"/>
+          </a:xfrm>
+          <a:prstGeom prst="rect">
+            <a:avLst/>
+          </a:prstGeom>
+          <a:noFill/>
+          <a:ln/>
+        </p:spPr>
+        <p:style>
+          <a:lnRef idx="2">
+            <a:schemeClr val="accent3"/>
+          </a:lnRef>
+          <a:fillRef idx="1">
+            <a:schemeClr val="lt1"/>
+          </a:fillRef>
+          <a:effectRef idx="0">
+            <a:schemeClr val="accent3"/>
+          </a:effectRef>
+          <a:fontRef idx="minor">
+            <a:schemeClr val="dk1"/>
+          </a:fontRef>
+        </p:style>
+        <p:txBody>
+          <a:bodyPr rtlCol="0" anchor="ctr"/>
+          <a:lstStyle/>
+          <a:p>
+            <a:pPr algn="ctr"/>
             <a:endParaRPr lang="en-US"/>
           </a:p>
         </p:txBody>
       </p:sp>
       <p:sp>
         <p:nvSpPr>
-          <p:cNvPr id="20" name="TextBox 19">
-            <a:extLst>
-              <a:ext uri="{FF2B5EF4-FFF2-40B4-BE49-F238E27FC236}">
-                <a16:creationId xmlns:a16="http://schemas.microsoft.com/office/drawing/2014/main" id="{83EFD130-0886-10D5-E76C-6FFD5426C366}"/>
+          <p:cNvPr id="25" name="TextBox 24">
+            <a:extLst>
+              <a:ext uri="{FF2B5EF4-FFF2-40B4-BE49-F238E27FC236}">
+                <a16:creationId xmlns:a16="http://schemas.microsoft.com/office/drawing/2014/main" id="{8A74D8B5-123F-7489-B9AB-F6965C5517A0}"/>
               </a:ext>
             </a:extLst>
           </p:cNvPr>
@@ -3877,8 +4379,8 @@
         </p:nvSpPr>
         <p:spPr>
           <a:xfrm>
-            <a:off x="9483713" y="625196"/>
-            <a:ext cx="1766830" cy="369332"/>
+            <a:off x="6664253" y="4405468"/>
+            <a:ext cx="2489901" cy="369332"/>
           </a:xfrm>
           <a:prstGeom prst="rect">
             <a:avLst/>
@@ -3886,7 +4388,7 @@
           <a:noFill/>
         </p:spPr>
         <p:txBody>
-          <a:bodyPr wrap="none" rtlCol="0">
+          <a:bodyPr wrap="square" rtlCol="0">
             <a:spAutoFit/>
           </a:bodyPr>
           <a:lstStyle/>
@@ -3894,7 +4396,7 @@
             <a:r>
               <a:rPr lang="en-US" dirty="0" err="1">
                 <a:solidFill>
-                  <a:srgbClr val="FF0000"/>
+                  <a:schemeClr val="accent3"/>
                 </a:solidFill>
               </a:rPr>
               <a:t>eFMU</a:t>
@@ -3902,20 +4404,82 @@
             <a:r>
               <a:rPr lang="en-US" dirty="0">
                 <a:solidFill>
-                  <a:srgbClr val="FF0000"/>
+                  <a:schemeClr val="accent3"/>
                 </a:solidFill>
               </a:rPr>
-              <a:t>: Grid4HIL</a:t>
-            </a:r>
-          </a:p>
-        </p:txBody>
-      </p:sp>
-      <p:sp>
-        <p:nvSpPr>
-          <p:cNvPr id="22" name="TextBox 21">
-            <a:extLst>
-              <a:ext uri="{FF2B5EF4-FFF2-40B4-BE49-F238E27FC236}">
-                <a16:creationId xmlns:a16="http://schemas.microsoft.com/office/drawing/2014/main" id="{2A0E4D51-3B1F-CFE9-F4FA-988B4D3EC7A9}"/>
+              <a:t>: </a:t>
+            </a:r>
+            <a:r>
+              <a:rPr lang="en-US" dirty="0" err="1">
+                <a:solidFill>
+                  <a:schemeClr val="accent3"/>
+                </a:solidFill>
+              </a:rPr>
+              <a:t>efmuPSS</a:t>
+            </a:r>
+            <a:r>
+              <a:rPr lang="en-US" dirty="0">
+                <a:solidFill>
+                  <a:schemeClr val="accent3"/>
+                </a:solidFill>
+              </a:rPr>
+              <a:t> </a:t>
+            </a:r>
+          </a:p>
+        </p:txBody>
+      </p:sp>
+      <p:sp>
+        <p:nvSpPr>
+          <p:cNvPr id="26" name="Rectangle 25">
+            <a:extLst>
+              <a:ext uri="{FF2B5EF4-FFF2-40B4-BE49-F238E27FC236}">
+                <a16:creationId xmlns:a16="http://schemas.microsoft.com/office/drawing/2014/main" id="{049B3119-8B55-D4A7-9721-1CA92824BAA9}"/>
+              </a:ext>
+            </a:extLst>
+          </p:cNvPr>
+          <p:cNvSpPr/>
+          <p:nvPr/>
+        </p:nvSpPr>
+        <p:spPr>
+          <a:xfrm>
+            <a:off x="6850713" y="721065"/>
+            <a:ext cx="1438812" cy="1211344"/>
+          </a:xfrm>
+          <a:prstGeom prst="rect">
+            <a:avLst/>
+          </a:prstGeom>
+          <a:noFill/>
+          <a:ln/>
+        </p:spPr>
+        <p:style>
+          <a:lnRef idx="2">
+            <a:schemeClr val="accent3"/>
+          </a:lnRef>
+          <a:fillRef idx="1">
+            <a:schemeClr val="lt1"/>
+          </a:fillRef>
+          <a:effectRef idx="0">
+            <a:schemeClr val="accent3"/>
+          </a:effectRef>
+          <a:fontRef idx="minor">
+            <a:schemeClr val="dk1"/>
+          </a:fontRef>
+        </p:style>
+        <p:txBody>
+          <a:bodyPr rtlCol="0" anchor="ctr"/>
+          <a:lstStyle/>
+          <a:p>
+            <a:pPr algn="ctr"/>
+            <a:endParaRPr lang="en-US"/>
+          </a:p>
+        </p:txBody>
+      </p:sp>
+      <p:sp>
+        <p:nvSpPr>
+          <p:cNvPr id="27" name="TextBox 26">
+            <a:extLst>
+              <a:ext uri="{FF2B5EF4-FFF2-40B4-BE49-F238E27FC236}">
+                <a16:creationId xmlns:a16="http://schemas.microsoft.com/office/drawing/2014/main" id="{59FDBF81-2717-C573-A644-43139521B12C}"/>
               </a:ext>
             </a:extLst>
           </p:cNvPr>
@@ -3924,7 +4488,7 @@
         </p:nvSpPr>
         <p:spPr>
           <a:xfrm>
-            <a:off x="6664253" y="4964668"/>
+            <a:off x="6591232" y="53377"/>
             <a:ext cx="2489901" cy="369332"/>
           </a:xfrm>
           <a:prstGeom prst="rect">
@@ -3941,7 +4505,7 @@
             <a:r>
               <a:rPr lang="en-US" dirty="0" err="1">
                 <a:solidFill>
-                  <a:srgbClr val="FF0000"/>
+                  <a:schemeClr val="accent3"/>
                 </a:solidFill>
               </a:rPr>
               <a:t>eFMU</a:t>
@@ -3949,7 +4513,7 @@
             <a:r>
               <a:rPr lang="en-US" dirty="0">
                 <a:solidFill>
-                  <a:srgbClr val="FF0000"/>
+                  <a:schemeClr val="accent3"/>
                 </a:solidFill>
               </a:rPr>
               <a:t>: </a:t>
@@ -3957,7 +4521,7 @@
             <a:r>
               <a:rPr lang="en-US" dirty="0" err="1">
                 <a:solidFill>
-                  <a:srgbClr val="FF0000"/>
+                  <a:schemeClr val="accent3"/>
                 </a:solidFill>
               </a:rPr>
               <a:t>efmuPSS</a:t>
@@ -3965,7 +4529,7 @@
             <a:r>
               <a:rPr lang="en-US" dirty="0">
                 <a:solidFill>
-                  <a:srgbClr val="FF0000"/>
+                  <a:schemeClr val="accent3"/>
                 </a:solidFill>
               </a:rPr>
               <a:t> </a:t>
@@ -3975,10 +4539,56 @@
       </p:sp>
       <p:sp>
         <p:nvSpPr>
-          <p:cNvPr id="23" name="TextBox 22">
-            <a:extLst>
-              <a:ext uri="{FF2B5EF4-FFF2-40B4-BE49-F238E27FC236}">
-                <a16:creationId xmlns:a16="http://schemas.microsoft.com/office/drawing/2014/main" id="{C6C87784-D749-15E2-7FFB-F452D73B99ED}"/>
+          <p:cNvPr id="30" name="Rectangle 29">
+            <a:extLst>
+              <a:ext uri="{FF2B5EF4-FFF2-40B4-BE49-F238E27FC236}">
+                <a16:creationId xmlns:a16="http://schemas.microsoft.com/office/drawing/2014/main" id="{B6349BD0-0DDB-60AC-4CF8-AD21DB6E4294}"/>
+              </a:ext>
+            </a:extLst>
+          </p:cNvPr>
+          <p:cNvSpPr/>
+          <p:nvPr/>
+        </p:nvSpPr>
+        <p:spPr>
+          <a:xfrm>
+            <a:off x="6883146" y="-781972"/>
+            <a:ext cx="1406379" cy="918825"/>
+          </a:xfrm>
+          <a:prstGeom prst="rect">
+            <a:avLst/>
+          </a:prstGeom>
+          <a:noFill/>
+          <a:ln/>
+        </p:spPr>
+        <p:style>
+          <a:lnRef idx="2">
+            <a:schemeClr val="accent3"/>
+          </a:lnRef>
+          <a:fillRef idx="1">
+            <a:schemeClr val="lt1"/>
+          </a:fillRef>
+          <a:effectRef idx="0">
+            <a:schemeClr val="accent3"/>
+          </a:effectRef>
+          <a:fontRef idx="minor">
+            <a:schemeClr val="dk1"/>
+          </a:fontRef>
+        </p:style>
+        <p:txBody>
+          <a:bodyPr rtlCol="0" anchor="ctr"/>
+          <a:lstStyle/>
+          <a:p>
+            <a:pPr algn="ctr"/>
+            <a:endParaRPr lang="en-US"/>
+          </a:p>
+        </p:txBody>
+      </p:sp>
+      <p:sp>
+        <p:nvSpPr>
+          <p:cNvPr id="31" name="TextBox 30">
+            <a:extLst>
+              <a:ext uri="{FF2B5EF4-FFF2-40B4-BE49-F238E27FC236}">
+                <a16:creationId xmlns:a16="http://schemas.microsoft.com/office/drawing/2014/main" id="{E6B1B71C-3AFB-B89B-28A3-CC7C3A401DF1}"/>
               </a:ext>
             </a:extLst>
           </p:cNvPr>
@@ -3987,8 +4597,8 @@
         </p:nvSpPr>
         <p:spPr>
           <a:xfrm>
-            <a:off x="8880397" y="2738030"/>
-            <a:ext cx="1764970" cy="369332"/>
+            <a:off x="6762682" y="2106523"/>
+            <a:ext cx="2489901" cy="369332"/>
           </a:xfrm>
           <a:prstGeom prst="rect">
             <a:avLst/>
@@ -3996,7 +4606,7 @@
           <a:noFill/>
         </p:spPr>
         <p:txBody>
-          <a:bodyPr wrap="none" rtlCol="0">
+          <a:bodyPr wrap="square" rtlCol="0">
             <a:spAutoFit/>
           </a:bodyPr>
           <a:lstStyle/>
@@ -4004,7 +4614,7 @@
             <a:r>
               <a:rPr lang="en-US" dirty="0" err="1">
                 <a:solidFill>
-                  <a:srgbClr val="FF0000"/>
+                  <a:schemeClr val="accent3"/>
                 </a:solidFill>
               </a:rPr>
               <a:t>eFMU</a:t>
@@ -4012,7 +4622,7 @@
             <a:r>
               <a:rPr lang="en-US" dirty="0">
                 <a:solidFill>
-                  <a:srgbClr val="FF0000"/>
+                  <a:schemeClr val="accent3"/>
                 </a:solidFill>
               </a:rPr>
               <a:t>: </a:t>
@@ -4020,16 +4630,412 @@
             <a:r>
               <a:rPr lang="en-US" dirty="0" err="1">
                 <a:solidFill>
-                  <a:srgbClr val="FF0000"/>
+                  <a:schemeClr val="accent3"/>
                 </a:solidFill>
               </a:rPr>
-              <a:t>CHILTest</a:t>
-            </a:r>
-            <a:endParaRPr lang="en-US" dirty="0">
-              <a:solidFill>
-                <a:srgbClr val="FF0000"/>
-              </a:solidFill>
-            </a:endParaRPr>
+              <a:t>efmuPSS</a:t>
+            </a:r>
+            <a:r>
+              <a:rPr lang="en-US" dirty="0">
+                <a:solidFill>
+                  <a:schemeClr val="accent3"/>
+                </a:solidFill>
+              </a:rPr>
+              <a:t> </a:t>
+            </a:r>
+          </a:p>
+        </p:txBody>
+      </p:sp>
+      <p:sp>
+        <p:nvSpPr>
+          <p:cNvPr id="32" name="Rectangle 31">
+            <a:extLst>
+              <a:ext uri="{FF2B5EF4-FFF2-40B4-BE49-F238E27FC236}">
+                <a16:creationId xmlns:a16="http://schemas.microsoft.com/office/drawing/2014/main" id="{3C7EFA42-BF84-D966-13D2-172D833A1B17}"/>
+              </a:ext>
+            </a:extLst>
+          </p:cNvPr>
+          <p:cNvSpPr/>
+          <p:nvPr/>
+        </p:nvSpPr>
+        <p:spPr>
+          <a:xfrm>
+            <a:off x="8357931" y="-1309367"/>
+            <a:ext cx="1219432" cy="369333"/>
+          </a:xfrm>
+          <a:prstGeom prst="rect">
+            <a:avLst/>
+          </a:prstGeom>
+        </p:spPr>
+        <p:style>
+          <a:lnRef idx="2">
+            <a:schemeClr val="accent1">
+              <a:shade val="15000"/>
+            </a:schemeClr>
+          </a:lnRef>
+          <a:fillRef idx="1">
+            <a:schemeClr val="accent1"/>
+          </a:fillRef>
+          <a:effectRef idx="0">
+            <a:schemeClr val="accent1"/>
+          </a:effectRef>
+          <a:fontRef idx="minor">
+            <a:schemeClr val="lt1"/>
+          </a:fontRef>
+        </p:style>
+        <p:txBody>
+          <a:bodyPr rtlCol="0" anchor="ctr"/>
+          <a:lstStyle/>
+          <a:p>
+            <a:pPr algn="ctr"/>
+            <a:r>
+              <a:rPr lang="en-US" dirty="0" err="1"/>
+              <a:t>Unitrol</a:t>
+            </a:r>
+            <a:endParaRPr lang="en-US" dirty="0"/>
+          </a:p>
+        </p:txBody>
+      </p:sp>
+      <p:sp>
+        <p:nvSpPr>
+          <p:cNvPr id="33" name="Rectangle 32">
+            <a:extLst>
+              <a:ext uri="{FF2B5EF4-FFF2-40B4-BE49-F238E27FC236}">
+                <a16:creationId xmlns:a16="http://schemas.microsoft.com/office/drawing/2014/main" id="{7BC5510E-4550-F5C4-343B-9C759CEBA5CE}"/>
+              </a:ext>
+            </a:extLst>
+          </p:cNvPr>
+          <p:cNvSpPr/>
+          <p:nvPr/>
+        </p:nvSpPr>
+        <p:spPr>
+          <a:xfrm>
+            <a:off x="9664555" y="-1309367"/>
+            <a:ext cx="1312289" cy="369333"/>
+          </a:xfrm>
+          <a:prstGeom prst="rect">
+            <a:avLst/>
+          </a:prstGeom>
+        </p:spPr>
+        <p:style>
+          <a:lnRef idx="2">
+            <a:schemeClr val="accent1">
+              <a:shade val="15000"/>
+            </a:schemeClr>
+          </a:lnRef>
+          <a:fillRef idx="1">
+            <a:schemeClr val="accent1"/>
+          </a:fillRef>
+          <a:effectRef idx="0">
+            <a:schemeClr val="accent1"/>
+          </a:effectRef>
+          <a:fontRef idx="minor">
+            <a:schemeClr val="lt1"/>
+          </a:fontRef>
+        </p:style>
+        <p:txBody>
+          <a:bodyPr rtlCol="0" anchor="ctr"/>
+          <a:lstStyle/>
+          <a:p>
+            <a:pPr algn="ctr"/>
+            <a:r>
+              <a:rPr lang="en-US" dirty="0"/>
+              <a:t>Gen + Grid</a:t>
+            </a:r>
+          </a:p>
+        </p:txBody>
+      </p:sp>
+      <p:sp>
+        <p:nvSpPr>
+          <p:cNvPr id="34" name="Oval 33">
+            <a:extLst>
+              <a:ext uri="{FF2B5EF4-FFF2-40B4-BE49-F238E27FC236}">
+                <a16:creationId xmlns:a16="http://schemas.microsoft.com/office/drawing/2014/main" id="{1C9E4795-123A-7748-DC63-27845337EA69}"/>
+              </a:ext>
+            </a:extLst>
+          </p:cNvPr>
+          <p:cNvSpPr/>
+          <p:nvPr/>
+        </p:nvSpPr>
+        <p:spPr>
+          <a:xfrm>
+            <a:off x="11463040" y="5592009"/>
+            <a:ext cx="666750" cy="695325"/>
+          </a:xfrm>
+          <a:prstGeom prst="ellipse">
+            <a:avLst/>
+          </a:prstGeom>
+        </p:spPr>
+        <p:style>
+          <a:lnRef idx="2">
+            <a:schemeClr val="accent5">
+              <a:shade val="15000"/>
+            </a:schemeClr>
+          </a:lnRef>
+          <a:fillRef idx="1">
+            <a:schemeClr val="accent5"/>
+          </a:fillRef>
+          <a:effectRef idx="0">
+            <a:schemeClr val="accent5"/>
+          </a:effectRef>
+          <a:fontRef idx="minor">
+            <a:schemeClr val="lt1"/>
+          </a:fontRef>
+        </p:style>
+        <p:txBody>
+          <a:bodyPr rtlCol="0" anchor="ctr"/>
+          <a:lstStyle/>
+          <a:p>
+            <a:pPr algn="ctr"/>
+            <a:r>
+              <a:rPr lang="en-US" dirty="0"/>
+              <a:t>1</a:t>
+            </a:r>
+          </a:p>
+        </p:txBody>
+      </p:sp>
+      <p:sp>
+        <p:nvSpPr>
+          <p:cNvPr id="35" name="Oval 34">
+            <a:extLst>
+              <a:ext uri="{FF2B5EF4-FFF2-40B4-BE49-F238E27FC236}">
+                <a16:creationId xmlns:a16="http://schemas.microsoft.com/office/drawing/2014/main" id="{3A3EDB27-D393-269B-2363-B56AE32FACDE}"/>
+              </a:ext>
+            </a:extLst>
+          </p:cNvPr>
+          <p:cNvSpPr/>
+          <p:nvPr/>
+        </p:nvSpPr>
+        <p:spPr>
+          <a:xfrm>
+            <a:off x="11403624" y="3464132"/>
+            <a:ext cx="666750" cy="695325"/>
+          </a:xfrm>
+          <a:prstGeom prst="ellipse">
+            <a:avLst/>
+          </a:prstGeom>
+        </p:spPr>
+        <p:style>
+          <a:lnRef idx="2">
+            <a:schemeClr val="accent5">
+              <a:shade val="15000"/>
+            </a:schemeClr>
+          </a:lnRef>
+          <a:fillRef idx="1">
+            <a:schemeClr val="accent5"/>
+          </a:fillRef>
+          <a:effectRef idx="0">
+            <a:schemeClr val="accent5"/>
+          </a:effectRef>
+          <a:fontRef idx="minor">
+            <a:schemeClr val="lt1"/>
+          </a:fontRef>
+        </p:style>
+        <p:txBody>
+          <a:bodyPr rtlCol="0" anchor="ctr"/>
+          <a:lstStyle/>
+          <a:p>
+            <a:pPr algn="ctr"/>
+            <a:r>
+              <a:rPr lang="en-US" dirty="0"/>
+              <a:t>2</a:t>
+            </a:r>
+          </a:p>
+        </p:txBody>
+      </p:sp>
+      <p:sp>
+        <p:nvSpPr>
+          <p:cNvPr id="36" name="Oval 35">
+            <a:extLst>
+              <a:ext uri="{FF2B5EF4-FFF2-40B4-BE49-F238E27FC236}">
+                <a16:creationId xmlns:a16="http://schemas.microsoft.com/office/drawing/2014/main" id="{8892FEFA-4E46-F66E-78C4-292C8FEFE887}"/>
+              </a:ext>
+            </a:extLst>
+          </p:cNvPr>
+          <p:cNvSpPr/>
+          <p:nvPr/>
+        </p:nvSpPr>
+        <p:spPr>
+          <a:xfrm>
+            <a:off x="11354602" y="1179192"/>
+            <a:ext cx="666750" cy="695325"/>
+          </a:xfrm>
+          <a:prstGeom prst="ellipse">
+            <a:avLst/>
+          </a:prstGeom>
+        </p:spPr>
+        <p:style>
+          <a:lnRef idx="2">
+            <a:schemeClr val="accent5">
+              <a:shade val="15000"/>
+            </a:schemeClr>
+          </a:lnRef>
+          <a:fillRef idx="1">
+            <a:schemeClr val="accent5"/>
+          </a:fillRef>
+          <a:effectRef idx="0">
+            <a:schemeClr val="accent5"/>
+          </a:effectRef>
+          <a:fontRef idx="minor">
+            <a:schemeClr val="lt1"/>
+          </a:fontRef>
+        </p:style>
+        <p:txBody>
+          <a:bodyPr rtlCol="0" anchor="ctr"/>
+          <a:lstStyle/>
+          <a:p>
+            <a:pPr algn="ctr"/>
+            <a:r>
+              <a:rPr lang="en-US" dirty="0"/>
+              <a:t>3</a:t>
+            </a:r>
+          </a:p>
+        </p:txBody>
+      </p:sp>
+      <p:sp>
+        <p:nvSpPr>
+          <p:cNvPr id="37" name="Oval 36">
+            <a:extLst>
+              <a:ext uri="{FF2B5EF4-FFF2-40B4-BE49-F238E27FC236}">
+                <a16:creationId xmlns:a16="http://schemas.microsoft.com/office/drawing/2014/main" id="{86D06A4C-1CE2-D00C-618A-74D5FA3A1CBA}"/>
+              </a:ext>
+            </a:extLst>
+          </p:cNvPr>
+          <p:cNvSpPr/>
+          <p:nvPr/>
+        </p:nvSpPr>
+        <p:spPr>
+          <a:xfrm>
+            <a:off x="11403548" y="-758086"/>
+            <a:ext cx="666750" cy="695325"/>
+          </a:xfrm>
+          <a:prstGeom prst="ellipse">
+            <a:avLst/>
+          </a:prstGeom>
+        </p:spPr>
+        <p:style>
+          <a:lnRef idx="2">
+            <a:schemeClr val="accent5">
+              <a:shade val="15000"/>
+            </a:schemeClr>
+          </a:lnRef>
+          <a:fillRef idx="1">
+            <a:schemeClr val="accent5"/>
+          </a:fillRef>
+          <a:effectRef idx="0">
+            <a:schemeClr val="accent5"/>
+          </a:effectRef>
+          <a:fontRef idx="minor">
+            <a:schemeClr val="lt1"/>
+          </a:fontRef>
+        </p:style>
+        <p:txBody>
+          <a:bodyPr rtlCol="0" anchor="ctr"/>
+          <a:lstStyle/>
+          <a:p>
+            <a:pPr algn="ctr"/>
+            <a:r>
+              <a:rPr lang="en-US" dirty="0"/>
+              <a:t>4</a:t>
+            </a:r>
+          </a:p>
+        </p:txBody>
+      </p:sp>
+      <p:sp>
+        <p:nvSpPr>
+          <p:cNvPr id="39" name="Rectangle: Rounded Corners 38">
+            <a:extLst>
+              <a:ext uri="{FF2B5EF4-FFF2-40B4-BE49-F238E27FC236}">
+                <a16:creationId xmlns:a16="http://schemas.microsoft.com/office/drawing/2014/main" id="{A0A31671-4F30-5AB1-C446-D4CDAC5FDF15}"/>
+              </a:ext>
+            </a:extLst>
+          </p:cNvPr>
+          <p:cNvSpPr/>
+          <p:nvPr/>
+        </p:nvSpPr>
+        <p:spPr>
+          <a:xfrm>
+            <a:off x="9557580" y="2289470"/>
+            <a:ext cx="1589616" cy="246341"/>
+          </a:xfrm>
+          <a:prstGeom prst="roundRect">
+            <a:avLst/>
+          </a:prstGeom>
+        </p:spPr>
+        <p:style>
+          <a:lnRef idx="2">
+            <a:schemeClr val="accent4">
+              <a:shade val="15000"/>
+            </a:schemeClr>
+          </a:lnRef>
+          <a:fillRef idx="1">
+            <a:schemeClr val="accent4"/>
+          </a:fillRef>
+          <a:effectRef idx="0">
+            <a:schemeClr val="accent4"/>
+          </a:effectRef>
+          <a:fontRef idx="minor">
+            <a:schemeClr val="lt1"/>
+          </a:fontRef>
+        </p:style>
+        <p:txBody>
+          <a:bodyPr rtlCol="0" anchor="ctr"/>
+          <a:lstStyle/>
+          <a:p>
+            <a:pPr algn="ctr"/>
+            <a:r>
+              <a:rPr lang="en-US" dirty="0"/>
+              <a:t>Typhoon-HIL</a:t>
+            </a:r>
+          </a:p>
+        </p:txBody>
+      </p:sp>
+      <p:sp>
+        <p:nvSpPr>
+          <p:cNvPr id="40" name="Rectangle 39">
+            <a:extLst>
+              <a:ext uri="{FF2B5EF4-FFF2-40B4-BE49-F238E27FC236}">
+                <a16:creationId xmlns:a16="http://schemas.microsoft.com/office/drawing/2014/main" id="{CF21886B-344D-1570-A7EC-6154F800F2F2}"/>
+              </a:ext>
+            </a:extLst>
+          </p:cNvPr>
+          <p:cNvSpPr/>
+          <p:nvPr/>
+        </p:nvSpPr>
+        <p:spPr>
+          <a:xfrm>
+            <a:off x="8373838" y="4435327"/>
+            <a:ext cx="2778087" cy="369333"/>
+          </a:xfrm>
+          <a:prstGeom prst="rect">
+            <a:avLst/>
+          </a:prstGeom>
+        </p:spPr>
+        <p:style>
+          <a:lnRef idx="2">
+            <a:schemeClr val="accent1">
+              <a:shade val="15000"/>
+            </a:schemeClr>
+          </a:lnRef>
+          <a:fillRef idx="1">
+            <a:schemeClr val="accent1"/>
+          </a:fillRef>
+          <a:effectRef idx="0">
+            <a:schemeClr val="accent1"/>
+          </a:effectRef>
+          <a:fontRef idx="minor">
+            <a:schemeClr val="lt1"/>
+          </a:fontRef>
+        </p:style>
+        <p:txBody>
+          <a:bodyPr rtlCol="0" anchor="ctr"/>
+          <a:lstStyle/>
+          <a:p>
+            <a:pPr algn="ctr"/>
+            <a:r>
+              <a:rPr lang="en-US" dirty="0"/>
+              <a:t>stm32</a:t>
+            </a:r>
           </a:p>
         </p:txBody>
       </p:sp>
